--- a/docs/PJ2/1 Interação/Template_Plano_de_Projeto.pptx
+++ b/docs/PJ2/1 Interação/Template_Plano_de_Projeto.pptx
@@ -12317,7 +12317,7 @@
             </a:pPr>
             <a:r>
               <a:rPr lang="en-US" sz="3000"/>
-              <a:t>[UC-OC05] Vincular/Desvincular membro: 3 dias</a:t>
+              <a:t>[UC-OC05] Sugerir item para a pauta: 3 dias</a:t>
             </a:r>
             <a:endParaRPr b="1" sz="3000">
               <a:solidFill>
@@ -13379,7 +13379,7 @@
             <a:tbl>
               <a:tblPr firstRow="1">
                 <a:noFill/>
-                <a:tableStyleId>{791738A7-86E9-4D88-AE96-B18EF83F0C4F}</a:tableStyleId>
+                <a:tableStyleId>{FCA1F2B5-3343-4440-8BAA-FD62BDACB848}</a:tableStyleId>
               </a:tblPr>
               <a:tblGrid>
                 <a:gridCol w="1227200"/>
@@ -16459,7 +16459,7 @@
             <a:tbl>
               <a:tblPr firstRow="1">
                 <a:noFill/>
-                <a:tableStyleId>{791738A7-86E9-4D88-AE96-B18EF83F0C4F}</a:tableStyleId>
+                <a:tableStyleId>{FCA1F2B5-3343-4440-8BAA-FD62BDACB848}</a:tableStyleId>
               </a:tblPr>
               <a:tblGrid>
                 <a:gridCol w="2083325"/>
@@ -17148,27 +17148,7 @@
                           <a:cs typeface="Times New Roman"/>
                           <a:sym typeface="Times New Roman"/>
                         </a:rPr>
-                        <a:t>[UC-OC01] Gerenciar Órgãos (NDE e Colegiado)</a:t>
-                      </a:r>
-                      <a:endParaRPr>
-                        <a:latin typeface="Times New Roman"/>
-                        <a:ea typeface="Times New Roman"/>
-                        <a:cs typeface="Times New Roman"/>
-                        <a:sym typeface="Times New Roman"/>
-                      </a:endParaRPr>
-                    </a:p>
-                    <a:p>
-                      <a:pPr indent="0" lvl="0" marL="0" rtl="0" algn="l">
-                        <a:spcBef>
-                          <a:spcPts val="0"/>
-                        </a:spcBef>
-                        <a:spcAft>
-                          <a:spcPts val="0"/>
-                        </a:spcAft>
-                        <a:buNone/>
-                      </a:pPr>
-                      <a:r>
-                        <a:t/>
+                        <a:t>[UC-Pre03] Gerenciar reuniões</a:t>
                       </a:r>
                       <a:endParaRPr>
                         <a:latin typeface="Times New Roman"/>
@@ -17357,7 +17337,7 @@
                           <a:cs typeface="Times New Roman"/>
                           <a:sym typeface="Times New Roman"/>
                         </a:rPr>
-                        <a:t>[UC-Pre03] Gerenciar reuniões   </a:t>
+                        <a:t>[UC-OC01] Gerenciar Órgãos</a:t>
                       </a:r>
                       <a:endParaRPr>
                         <a:latin typeface="Times New Roman"/>
@@ -17454,31 +17434,6 @@
                           <a:sym typeface="Times New Roman"/>
                         </a:rPr>
                         <a:t>UC-Pre05] Gerenciar Itens de pauta</a:t>
-                      </a:r>
-                      <a:endParaRPr>
-                        <a:latin typeface="Times New Roman"/>
-                        <a:ea typeface="Times New Roman"/>
-                        <a:cs typeface="Times New Roman"/>
-                        <a:sym typeface="Times New Roman"/>
-                      </a:endParaRPr>
-                    </a:p>
-                    <a:p>
-                      <a:pPr indent="0" lvl="0" marL="0" rtl="0" algn="l">
-                        <a:spcBef>
-                          <a:spcPts val="0"/>
-                        </a:spcBef>
-                        <a:spcAft>
-                          <a:spcPts val="0"/>
-                        </a:spcAft>
-                        <a:buClr>
-                          <a:schemeClr val="dk1"/>
-                        </a:buClr>
-                        <a:buSzPts val="1100"/>
-                        <a:buFont typeface="Arial"/>
-                        <a:buNone/>
-                      </a:pPr>
-                      <a:r>
-                        <a:t/>
                       </a:r>
                       <a:endParaRPr>
                         <a:latin typeface="Times New Roman"/>
@@ -17631,7 +17586,7 @@
                           <a:cs typeface="Times New Roman"/>
                           <a:sym typeface="Times New Roman"/>
                         </a:rPr>
-                        <a:t>UC-Pre04] Sugerir item para a pauta   </a:t>
+                        <a:t>UC-OC05] Vincular/ Desvincular membro</a:t>
                       </a:r>
                       <a:endParaRPr>
                         <a:latin typeface="Times New Roman"/>
@@ -17753,31 +17708,6 @@
                           <a:sym typeface="Times New Roman"/>
                         </a:rPr>
                         <a:t>[UC-Pre01] Alocar/desalocar item para pauta</a:t>
-                      </a:r>
-                      <a:endParaRPr>
-                        <a:latin typeface="Times New Roman"/>
-                        <a:ea typeface="Times New Roman"/>
-                        <a:cs typeface="Times New Roman"/>
-                        <a:sym typeface="Times New Roman"/>
-                      </a:endParaRPr>
-                    </a:p>
-                    <a:p>
-                      <a:pPr indent="0" lvl="0" marL="0" rtl="0" algn="l">
-                        <a:spcBef>
-                          <a:spcPts val="0"/>
-                        </a:spcBef>
-                        <a:spcAft>
-                          <a:spcPts val="0"/>
-                        </a:spcAft>
-                        <a:buClr>
-                          <a:schemeClr val="dk1"/>
-                        </a:buClr>
-                        <a:buSzPts val="1100"/>
-                        <a:buFont typeface="Arial"/>
-                        <a:buNone/>
-                      </a:pPr>
-                      <a:r>
-                        <a:t/>
                       </a:r>
                       <a:endParaRPr>
                         <a:latin typeface="Times New Roman"/>
@@ -18022,13 +17952,7 @@
                         <a:buNone/>
                       </a:pPr>
                       <a:r>
-                        <a:rPr lang="en-US">
-                          <a:latin typeface="Times New Roman"/>
-                          <a:ea typeface="Times New Roman"/>
-                          <a:cs typeface="Times New Roman"/>
-                          <a:sym typeface="Times New Roman"/>
-                        </a:rPr>
-                        <a:t>[UC-OC04] Gerenciar cursos de um campus</a:t>
+                        <a:t/>
                       </a:r>
                       <a:endParaRPr>
                         <a:latin typeface="Times New Roman"/>
@@ -18088,13 +18012,7 @@
                         <a:buNone/>
                       </a:pPr>
                       <a:r>
-                        <a:rPr lang="en-US">
-                          <a:latin typeface="Times New Roman"/>
-                          <a:ea typeface="Times New Roman"/>
-                          <a:cs typeface="Times New Roman"/>
-                          <a:sym typeface="Times New Roman"/>
-                        </a:rPr>
-                        <a:t>Baixa</a:t>
+                        <a:t/>
                       </a:r>
                       <a:endParaRPr i="0" u="none" cap="none" strike="noStrike">
                         <a:solidFill>
@@ -18239,6 +18157,15 @@
                         </a:rPr>
                         <a:t> </a:t>
                       </a:r>
+                      <a:r>
+                        <a:rPr lang="en-US">
+                          <a:latin typeface="Times New Roman"/>
+                          <a:ea typeface="Times New Roman"/>
+                          <a:cs typeface="Times New Roman"/>
+                          <a:sym typeface="Times New Roman"/>
+                        </a:rPr>
+                        <a:t>[UC-OC03] Gerenciar cursos de um campus</a:t>
+                      </a:r>
                       <a:endParaRPr i="0" u="none" cap="none" strike="noStrike">
                         <a:solidFill>
                           <a:srgbClr val="000000"/>
@@ -18267,6 +18194,15 @@
                         <a:buNone/>
                       </a:pPr>
                       <a:r>
+                        <a:rPr lang="en-US">
+                          <a:latin typeface="Times New Roman"/>
+                          <a:ea typeface="Times New Roman"/>
+                          <a:cs typeface="Times New Roman"/>
+                          <a:sym typeface="Times New Roman"/>
+                        </a:rPr>
+                        <a:t>Baixa</a:t>
+                      </a:r>
+                      <a:r>
                         <a:rPr lang="en-US" u="none" cap="none" strike="noStrike">
                           <a:latin typeface="Times New Roman"/>
                           <a:ea typeface="Times New Roman"/>
@@ -18311,15 +18247,6 @@
                         </a:rPr>
                         <a:t> </a:t>
                       </a:r>
-                      <a:r>
-                        <a:rPr lang="en-US">
-                          <a:latin typeface="Times New Roman"/>
-                          <a:ea typeface="Times New Roman"/>
-                          <a:cs typeface="Times New Roman"/>
-                          <a:sym typeface="Times New Roman"/>
-                        </a:rPr>
-                        <a:t>[UC-OC03] Gerenciar campus</a:t>
-                      </a:r>
                       <a:endParaRPr i="0" u="none" cap="none" strike="noStrike">
                         <a:solidFill>
                           <a:srgbClr val="000000"/>
@@ -18348,22 +18275,7 @@
                         <a:buNone/>
                       </a:pPr>
                       <a:r>
-                        <a:rPr lang="en-US" u="none" cap="none" strike="noStrike">
-                          <a:latin typeface="Times New Roman"/>
-                          <a:ea typeface="Times New Roman"/>
-                          <a:cs typeface="Times New Roman"/>
-                          <a:sym typeface="Times New Roman"/>
-                        </a:rPr>
-                        <a:t> </a:t>
-                      </a:r>
-                      <a:r>
-                        <a:rPr lang="en-US">
-                          <a:latin typeface="Times New Roman"/>
-                          <a:ea typeface="Times New Roman"/>
-                          <a:cs typeface="Times New Roman"/>
-                          <a:sym typeface="Times New Roman"/>
-                        </a:rPr>
-                        <a:t>Baixa</a:t>
+                        <a:t/>
                       </a:r>
                       <a:endParaRPr i="0" u="none" cap="none" strike="noStrike">
                         <a:solidFill>
@@ -18764,7 +18676,7 @@
             <a:tbl>
               <a:tblPr firstRow="1">
                 <a:noFill/>
-                <a:tableStyleId>{791738A7-86E9-4D88-AE96-B18EF83F0C4F}</a:tableStyleId>
+                <a:tableStyleId>{FCA1F2B5-3343-4440-8BAA-FD62BDACB848}</a:tableStyleId>
               </a:tblPr>
               <a:tblGrid>
                 <a:gridCol w="2083325"/>
@@ -20368,7 +20280,7 @@
                           <a:cs typeface="Times New Roman"/>
                           <a:sym typeface="Times New Roman"/>
                         </a:rPr>
-                        <a:t>[UC-OC05] Vincular/Desvincular membro</a:t>
+                        <a:t>[UC-Pre04] Sugerir item para a pauta</a:t>
                       </a:r>
                       <a:endParaRPr i="0" sz="1200" u="none" cap="none" strike="noStrike">
                         <a:solidFill>
@@ -21018,7 +20930,7 @@
             </a:pPr>
             <a:r>
               <a:rPr lang="en-US"/>
-              <a:t>[UC-Pre03] Gerenciar Reunião: 15 dias</a:t>
+              <a:t>[UC-Pre03] Gerenciar Órgãos: 10 dias</a:t>
             </a:r>
             <a:endParaRPr/>
           </a:p>
@@ -21035,7 +20947,7 @@
             </a:pPr>
             <a:r>
               <a:rPr lang="en-US"/>
-              <a:t>[UC-Pre04] Sugerir item para a pauta: 3 dias</a:t>
+              <a:t>[UC-OC05] Vincular/Desvincular membro: 3 dias</a:t>
             </a:r>
             <a:endParaRPr/>
           </a:p>
@@ -21052,7 +20964,24 @@
             </a:pPr>
             <a:r>
               <a:rPr lang="en-US"/>
-              <a:t>[UC-OC03] Gerenciar campus: 2 dias para front-end</a:t>
+              <a:t>[UC-Pre04] Gerenciar campus: 3 dias</a:t>
+            </a:r>
+            <a:endParaRPr/>
+          </a:p>
+          <a:p>
+            <a:pPr indent="-342900" lvl="0" marL="342900" rtl="0" algn="l">
+              <a:spcBef>
+                <a:spcPts val="0"/>
+              </a:spcBef>
+              <a:spcAft>
+                <a:spcPts val="0"/>
+              </a:spcAft>
+              <a:buSzPts val="1800"/>
+              <a:buChar char="•"/>
+            </a:pPr>
+            <a:r>
+              <a:rPr lang="en-US"/>
+              <a:t>[UC-OC03] Gerenciar cursos de um campus: 3 dias</a:t>
             </a:r>
             <a:endParaRPr/>
           </a:p>
@@ -21191,7 +21120,7 @@
             </a:pPr>
             <a:r>
               <a:rPr lang="en-US"/>
-              <a:t>[UC-OC01] Gerenciar Órgãos: 10 dias</a:t>
+              <a:t>[UC-OC01] Gerenciar reunião: 15 dias</a:t>
             </a:r>
             <a:endParaRPr/>
           </a:p>
@@ -21226,40 +21155,6 @@
             <a:r>
               <a:rPr lang="en-US"/>
               <a:t>[UC-Pre01] Alocar/Desalocar item para pauta: 3 dias</a:t>
-            </a:r>
-            <a:endParaRPr/>
-          </a:p>
-          <a:p>
-            <a:pPr indent="-342900" lvl="0" marL="342900" rtl="0" algn="l">
-              <a:spcBef>
-                <a:spcPts val="0"/>
-              </a:spcBef>
-              <a:spcAft>
-                <a:spcPts val="0"/>
-              </a:spcAft>
-              <a:buSzPts val="1800"/>
-              <a:buChar char="•"/>
-            </a:pPr>
-            <a:r>
-              <a:rPr lang="en-US"/>
-              <a:t>[UC-OC04] Gerenciar cursos de um campus: 3 dias</a:t>
-            </a:r>
-            <a:endParaRPr/>
-          </a:p>
-          <a:p>
-            <a:pPr indent="-342900" lvl="0" marL="342900" rtl="0" algn="l">
-              <a:spcBef>
-                <a:spcPts val="0"/>
-              </a:spcBef>
-              <a:spcAft>
-                <a:spcPts val="0"/>
-              </a:spcAft>
-              <a:buSzPts val="1800"/>
-              <a:buChar char="•"/>
-            </a:pPr>
-            <a:r>
-              <a:rPr lang="en-US"/>
-              <a:t>[UC-OC03] Gerenciar Campus: 1 para back-end</a:t>
             </a:r>
             <a:endParaRPr/>
           </a:p>
